--- a/input/images-source/Interaction Diagram.pptx
+++ b/input/images-source/Interaction Diagram.pptx
@@ -2,18 +2,18 @@
 <file path=ppt/presentation.xml><?xml version="1.0" encoding="utf-8"?>
 <p:presentation xmlns:a="http://schemas.openxmlformats.org/drawingml/2006/main" xmlns:r="http://schemas.openxmlformats.org/officeDocument/2006/relationships" xmlns:p="http://schemas.openxmlformats.org/presentationml/2006/main" saveSubsetFonts="1">
   <p:sldMasterIdLst>
-    <p:sldMasterId id="2147483648" r:id="rId1"/>
+    <p:sldMasterId id="2147483660" r:id="rId1"/>
   </p:sldMasterIdLst>
   <p:sldIdLst>
     <p:sldId id="257" r:id="rId2"/>
   </p:sldIdLst>
-  <p:sldSz cx="12192000" cy="6858000"/>
+  <p:sldSz cx="9144000" cy="6858000" type="screen4x3"/>
   <p:notesSz cx="6858000" cy="9144000"/>
   <p:defaultTextStyle>
     <a:defPPr>
       <a:defRPr lang="en-US"/>
     </a:defPPr>
-    <a:lvl1pPr marL="0" algn="l" defTabSz="914400" rtl="0" eaLnBrk="1" latinLnBrk="0" hangingPunct="1">
+    <a:lvl1pPr marL="0" algn="l" defTabSz="457200" rtl="0" eaLnBrk="1" latinLnBrk="0" hangingPunct="1">
       <a:defRPr sz="1800" kern="1200">
         <a:solidFill>
           <a:schemeClr val="tx1"/>
@@ -23,7 +23,7 @@
         <a:cs typeface="+mn-cs"/>
       </a:defRPr>
     </a:lvl1pPr>
-    <a:lvl2pPr marL="457200" algn="l" defTabSz="914400" rtl="0" eaLnBrk="1" latinLnBrk="0" hangingPunct="1">
+    <a:lvl2pPr marL="457200" algn="l" defTabSz="457200" rtl="0" eaLnBrk="1" latinLnBrk="0" hangingPunct="1">
       <a:defRPr sz="1800" kern="1200">
         <a:solidFill>
           <a:schemeClr val="tx1"/>
@@ -33,7 +33,7 @@
         <a:cs typeface="+mn-cs"/>
       </a:defRPr>
     </a:lvl2pPr>
-    <a:lvl3pPr marL="914400" algn="l" defTabSz="914400" rtl="0" eaLnBrk="1" latinLnBrk="0" hangingPunct="1">
+    <a:lvl3pPr marL="914400" algn="l" defTabSz="457200" rtl="0" eaLnBrk="1" latinLnBrk="0" hangingPunct="1">
       <a:defRPr sz="1800" kern="1200">
         <a:solidFill>
           <a:schemeClr val="tx1"/>
@@ -43,7 +43,7 @@
         <a:cs typeface="+mn-cs"/>
       </a:defRPr>
     </a:lvl3pPr>
-    <a:lvl4pPr marL="1371600" algn="l" defTabSz="914400" rtl="0" eaLnBrk="1" latinLnBrk="0" hangingPunct="1">
+    <a:lvl4pPr marL="1371600" algn="l" defTabSz="457200" rtl="0" eaLnBrk="1" latinLnBrk="0" hangingPunct="1">
       <a:defRPr sz="1800" kern="1200">
         <a:solidFill>
           <a:schemeClr val="tx1"/>
@@ -53,7 +53,7 @@
         <a:cs typeface="+mn-cs"/>
       </a:defRPr>
     </a:lvl4pPr>
-    <a:lvl5pPr marL="1828800" algn="l" defTabSz="914400" rtl="0" eaLnBrk="1" latinLnBrk="0" hangingPunct="1">
+    <a:lvl5pPr marL="1828800" algn="l" defTabSz="457200" rtl="0" eaLnBrk="1" latinLnBrk="0" hangingPunct="1">
       <a:defRPr sz="1800" kern="1200">
         <a:solidFill>
           <a:schemeClr val="tx1"/>
@@ -63,7 +63,7 @@
         <a:cs typeface="+mn-cs"/>
       </a:defRPr>
     </a:lvl5pPr>
-    <a:lvl6pPr marL="2286000" algn="l" defTabSz="914400" rtl="0" eaLnBrk="1" latinLnBrk="0" hangingPunct="1">
+    <a:lvl6pPr marL="2286000" algn="l" defTabSz="457200" rtl="0" eaLnBrk="1" latinLnBrk="0" hangingPunct="1">
       <a:defRPr sz="1800" kern="1200">
         <a:solidFill>
           <a:schemeClr val="tx1"/>
@@ -73,7 +73,7 @@
         <a:cs typeface="+mn-cs"/>
       </a:defRPr>
     </a:lvl6pPr>
-    <a:lvl7pPr marL="2743200" algn="l" defTabSz="914400" rtl="0" eaLnBrk="1" latinLnBrk="0" hangingPunct="1">
+    <a:lvl7pPr marL="2743200" algn="l" defTabSz="457200" rtl="0" eaLnBrk="1" latinLnBrk="0" hangingPunct="1">
       <a:defRPr sz="1800" kern="1200">
         <a:solidFill>
           <a:schemeClr val="tx1"/>
@@ -83,7 +83,7 @@
         <a:cs typeface="+mn-cs"/>
       </a:defRPr>
     </a:lvl7pPr>
-    <a:lvl8pPr marL="3200400" algn="l" defTabSz="914400" rtl="0" eaLnBrk="1" latinLnBrk="0" hangingPunct="1">
+    <a:lvl8pPr marL="3200400" algn="l" defTabSz="457200" rtl="0" eaLnBrk="1" latinLnBrk="0" hangingPunct="1">
       <a:defRPr sz="1800" kern="1200">
         <a:solidFill>
           <a:schemeClr val="tx1"/>
@@ -93,7 +93,7 @@
         <a:cs typeface="+mn-cs"/>
       </a:defRPr>
     </a:lvl8pPr>
-    <a:lvl9pPr marL="3657600" algn="l" defTabSz="914400" rtl="0" eaLnBrk="1" latinLnBrk="0" hangingPunct="1">
+    <a:lvl9pPr marL="3657600" algn="l" defTabSz="457200" rtl="0" eaLnBrk="1" latinLnBrk="0" hangingPunct="1">
       <a:defRPr sz="1800" kern="1200">
         <a:solidFill>
           <a:schemeClr val="tx1"/>
@@ -104,6 +104,11 @@
       </a:defRPr>
     </a:lvl9pPr>
   </p:defaultTextStyle>
+  <p:extLst>
+    <p:ext uri="{EFAFB233-063F-42B5-8137-9DF3F51BA10A}">
+      <p15:sldGuideLst xmlns:p15="http://schemas.microsoft.com/office/powerpoint/2012/main"/>
+    </p:ext>
+  </p:extLst>
 </p:presentation>
 </file>
 
@@ -126,13 +131,7 @@
       </p:grpSpPr>
       <p:sp>
         <p:nvSpPr>
-          <p:cNvPr id="2" name="Title 1">
-            <a:extLst>
-              <a:ext uri="{FF2B5EF4-FFF2-40B4-BE49-F238E27FC236}">
-                <a16:creationId xmlns:a16="http://schemas.microsoft.com/office/drawing/2014/main" id="{D9DA81CC-1140-41B6-6C65-AFE2369B37D8}"/>
-              </a:ext>
-            </a:extLst>
-          </p:cNvPr>
+          <p:cNvPr id="2" name="Title 1"/>
           <p:cNvSpPr>
             <a:spLocks noGrp="1"/>
           </p:cNvSpPr>
@@ -142,8 +141,8 @@
         </p:nvSpPr>
         <p:spPr>
           <a:xfrm>
-            <a:off x="1524000" y="1122363"/>
-            <a:ext cx="9144000" cy="2387600"/>
+            <a:off x="685800" y="1122363"/>
+            <a:ext cx="7772400" cy="2387600"/>
           </a:xfrm>
         </p:spPr>
         <p:txBody>
@@ -158,18 +157,13 @@
               <a:rPr lang="en-US"/>
               <a:t>Click to edit Master title style</a:t>
             </a:r>
-          </a:p>
-        </p:txBody>
-      </p:sp>
-      <p:sp>
-        <p:nvSpPr>
-          <p:cNvPr id="3" name="Subtitle 2">
-            <a:extLst>
-              <a:ext uri="{FF2B5EF4-FFF2-40B4-BE49-F238E27FC236}">
-                <a16:creationId xmlns:a16="http://schemas.microsoft.com/office/drawing/2014/main" id="{92EE0C9C-C6D0-0112-7124-D043916D424C}"/>
-              </a:ext>
-            </a:extLst>
-          </p:cNvPr>
+            <a:endParaRPr lang="en-US" dirty="0"/>
+          </a:p>
+        </p:txBody>
+      </p:sp>
+      <p:sp>
+        <p:nvSpPr>
+          <p:cNvPr id="3" name="Subtitle 2"/>
           <p:cNvSpPr>
             <a:spLocks noGrp="1"/>
           </p:cNvSpPr>
@@ -179,8 +173,8 @@
         </p:nvSpPr>
         <p:spPr>
           <a:xfrm>
-            <a:off x="1524000" y="3602038"/>
-            <a:ext cx="9144000" cy="1655762"/>
+            <a:off x="1143000" y="3602038"/>
+            <a:ext cx="6858000" cy="1655762"/>
           </a:xfrm>
         </p:spPr>
         <p:txBody>
@@ -228,18 +222,13 @@
               <a:rPr lang="en-US"/>
               <a:t>Click to edit Master subtitle style</a:t>
             </a:r>
-          </a:p>
-        </p:txBody>
-      </p:sp>
-      <p:sp>
-        <p:nvSpPr>
-          <p:cNvPr id="4" name="Date Placeholder 3">
-            <a:extLst>
-              <a:ext uri="{FF2B5EF4-FFF2-40B4-BE49-F238E27FC236}">
-                <a16:creationId xmlns:a16="http://schemas.microsoft.com/office/drawing/2014/main" id="{D574DECE-6393-1B60-EB8F-07409FBAC2D8}"/>
-              </a:ext>
-            </a:extLst>
-          </p:cNvPr>
+            <a:endParaRPr lang="en-US" dirty="0"/>
+          </a:p>
+        </p:txBody>
+      </p:sp>
+      <p:sp>
+        <p:nvSpPr>
+          <p:cNvPr id="4" name="Date Placeholder 3"/>
           <p:cNvSpPr>
             <a:spLocks noGrp="1"/>
           </p:cNvSpPr>
@@ -254,7 +243,7 @@
           <a:p>
             <a:fld id="{769A9FD1-E899-49D4-8064-B6E78C9B97AE}" type="datetimeFigureOut">
               <a:rPr lang="en-US" smtClean="0"/>
-              <a:t>1/6/2023</a:t>
+              <a:t>1/12/2023</a:t>
             </a:fld>
             <a:endParaRPr lang="en-US"/>
           </a:p>
@@ -262,13 +251,7 @@
       </p:sp>
       <p:sp>
         <p:nvSpPr>
-          <p:cNvPr id="5" name="Footer Placeholder 4">
-            <a:extLst>
-              <a:ext uri="{FF2B5EF4-FFF2-40B4-BE49-F238E27FC236}">
-                <a16:creationId xmlns:a16="http://schemas.microsoft.com/office/drawing/2014/main" id="{DEAA611C-94CE-F93B-B2FF-25572AB10043}"/>
-              </a:ext>
-            </a:extLst>
-          </p:cNvPr>
+          <p:cNvPr id="5" name="Footer Placeholder 4"/>
           <p:cNvSpPr>
             <a:spLocks noGrp="1"/>
           </p:cNvSpPr>
@@ -287,13 +270,7 @@
       </p:sp>
       <p:sp>
         <p:nvSpPr>
-          <p:cNvPr id="6" name="Slide Number Placeholder 5">
-            <a:extLst>
-              <a:ext uri="{FF2B5EF4-FFF2-40B4-BE49-F238E27FC236}">
-                <a16:creationId xmlns:a16="http://schemas.microsoft.com/office/drawing/2014/main" id="{CD7113A3-F9DB-FF16-2338-F2AD17B7CEEF}"/>
-              </a:ext>
-            </a:extLst>
-          </p:cNvPr>
+          <p:cNvPr id="6" name="Slide Number Placeholder 5"/>
           <p:cNvSpPr>
             <a:spLocks noGrp="1"/>
           </p:cNvSpPr>
@@ -317,7 +294,7 @@
     </p:spTree>
     <p:extLst>
       <p:ext uri="{BB962C8B-B14F-4D97-AF65-F5344CB8AC3E}">
-        <p14:creationId xmlns:p14="http://schemas.microsoft.com/office/powerpoint/2010/main" val="2542689003"/>
+        <p14:creationId xmlns:p14="http://schemas.microsoft.com/office/powerpoint/2010/main" val="663299859"/>
       </p:ext>
     </p:extLst>
   </p:cSld>
@@ -346,13 +323,7 @@
       </p:grpSpPr>
       <p:sp>
         <p:nvSpPr>
-          <p:cNvPr id="2" name="Title 1">
-            <a:extLst>
-              <a:ext uri="{FF2B5EF4-FFF2-40B4-BE49-F238E27FC236}">
-                <a16:creationId xmlns:a16="http://schemas.microsoft.com/office/drawing/2014/main" id="{39D8523D-67B7-CDED-68A2-E4368B7BD631}"/>
-              </a:ext>
-            </a:extLst>
-          </p:cNvPr>
+          <p:cNvPr id="2" name="Title 1"/>
           <p:cNvSpPr>
             <a:spLocks noGrp="1"/>
           </p:cNvSpPr>
@@ -369,18 +340,13 @@
               <a:rPr lang="en-US"/>
               <a:t>Click to edit Master title style</a:t>
             </a:r>
-          </a:p>
-        </p:txBody>
-      </p:sp>
-      <p:sp>
-        <p:nvSpPr>
-          <p:cNvPr id="3" name="Vertical Text Placeholder 2">
-            <a:extLst>
-              <a:ext uri="{FF2B5EF4-FFF2-40B4-BE49-F238E27FC236}">
-                <a16:creationId xmlns:a16="http://schemas.microsoft.com/office/drawing/2014/main" id="{36FBFF87-8B04-B95E-5A81-963EDCCEBC27}"/>
-              </a:ext>
-            </a:extLst>
-          </p:cNvPr>
+            <a:endParaRPr lang="en-US" dirty="0"/>
+          </a:p>
+        </p:txBody>
+      </p:sp>
+      <p:sp>
+        <p:nvSpPr>
+          <p:cNvPr id="3" name="Vertical Text Placeholder 2"/>
           <p:cNvSpPr>
             <a:spLocks noGrp="1"/>
           </p:cNvSpPr>
@@ -426,18 +392,13 @@
               <a:rPr lang="en-US"/>
               <a:t>Fifth level</a:t>
             </a:r>
-          </a:p>
-        </p:txBody>
-      </p:sp>
-      <p:sp>
-        <p:nvSpPr>
-          <p:cNvPr id="4" name="Date Placeholder 3">
-            <a:extLst>
-              <a:ext uri="{FF2B5EF4-FFF2-40B4-BE49-F238E27FC236}">
-                <a16:creationId xmlns:a16="http://schemas.microsoft.com/office/drawing/2014/main" id="{323EE57B-6F03-DEE8-80A4-FEE0F08949A4}"/>
-              </a:ext>
-            </a:extLst>
-          </p:cNvPr>
+            <a:endParaRPr lang="en-US" dirty="0"/>
+          </a:p>
+        </p:txBody>
+      </p:sp>
+      <p:sp>
+        <p:nvSpPr>
+          <p:cNvPr id="4" name="Date Placeholder 3"/>
           <p:cNvSpPr>
             <a:spLocks noGrp="1"/>
           </p:cNvSpPr>
@@ -452,7 +413,7 @@
           <a:p>
             <a:fld id="{769A9FD1-E899-49D4-8064-B6E78C9B97AE}" type="datetimeFigureOut">
               <a:rPr lang="en-US" smtClean="0"/>
-              <a:t>1/6/2023</a:t>
+              <a:t>1/12/2023</a:t>
             </a:fld>
             <a:endParaRPr lang="en-US"/>
           </a:p>
@@ -460,13 +421,7 @@
       </p:sp>
       <p:sp>
         <p:nvSpPr>
-          <p:cNvPr id="5" name="Footer Placeholder 4">
-            <a:extLst>
-              <a:ext uri="{FF2B5EF4-FFF2-40B4-BE49-F238E27FC236}">
-                <a16:creationId xmlns:a16="http://schemas.microsoft.com/office/drawing/2014/main" id="{9D70AB2E-5235-9F15-6783-9EEB8B9A1030}"/>
-              </a:ext>
-            </a:extLst>
-          </p:cNvPr>
+          <p:cNvPr id="5" name="Footer Placeholder 4"/>
           <p:cNvSpPr>
             <a:spLocks noGrp="1"/>
           </p:cNvSpPr>
@@ -485,13 +440,7 @@
       </p:sp>
       <p:sp>
         <p:nvSpPr>
-          <p:cNvPr id="6" name="Slide Number Placeholder 5">
-            <a:extLst>
-              <a:ext uri="{FF2B5EF4-FFF2-40B4-BE49-F238E27FC236}">
-                <a16:creationId xmlns:a16="http://schemas.microsoft.com/office/drawing/2014/main" id="{443C5C45-9743-4786-3A36-FDA733D3969A}"/>
-              </a:ext>
-            </a:extLst>
-          </p:cNvPr>
+          <p:cNvPr id="6" name="Slide Number Placeholder 5"/>
           <p:cNvSpPr>
             <a:spLocks noGrp="1"/>
           </p:cNvSpPr>
@@ -515,7 +464,7 @@
     </p:spTree>
     <p:extLst>
       <p:ext uri="{BB962C8B-B14F-4D97-AF65-F5344CB8AC3E}">
-        <p14:creationId xmlns:p14="http://schemas.microsoft.com/office/powerpoint/2010/main" val="3378970954"/>
+        <p14:creationId xmlns:p14="http://schemas.microsoft.com/office/powerpoint/2010/main" val="1377724283"/>
       </p:ext>
     </p:extLst>
   </p:cSld>
@@ -544,13 +493,7 @@
       </p:grpSpPr>
       <p:sp>
         <p:nvSpPr>
-          <p:cNvPr id="2" name="Vertical Title 1">
-            <a:extLst>
-              <a:ext uri="{FF2B5EF4-FFF2-40B4-BE49-F238E27FC236}">
-                <a16:creationId xmlns:a16="http://schemas.microsoft.com/office/drawing/2014/main" id="{2404B11A-E332-2085-3490-63F97A00EA5F}"/>
-              </a:ext>
-            </a:extLst>
-          </p:cNvPr>
+          <p:cNvPr id="2" name="Vertical Title 1"/>
           <p:cNvSpPr>
             <a:spLocks noGrp="1"/>
           </p:cNvSpPr>
@@ -560,8 +503,8 @@
         </p:nvSpPr>
         <p:spPr>
           <a:xfrm>
-            <a:off x="8724900" y="365125"/>
-            <a:ext cx="2628900" cy="5811838"/>
+            <a:off x="6543675" y="365125"/>
+            <a:ext cx="1971675" cy="5811838"/>
           </a:xfrm>
         </p:spPr>
         <p:txBody>
@@ -572,18 +515,13 @@
               <a:rPr lang="en-US"/>
               <a:t>Click to edit Master title style</a:t>
             </a:r>
-          </a:p>
-        </p:txBody>
-      </p:sp>
-      <p:sp>
-        <p:nvSpPr>
-          <p:cNvPr id="3" name="Vertical Text Placeholder 2">
-            <a:extLst>
-              <a:ext uri="{FF2B5EF4-FFF2-40B4-BE49-F238E27FC236}">
-                <a16:creationId xmlns:a16="http://schemas.microsoft.com/office/drawing/2014/main" id="{35882FF4-D03F-8167-F398-D17837AFD9CD}"/>
-              </a:ext>
-            </a:extLst>
-          </p:cNvPr>
+            <a:endParaRPr lang="en-US" dirty="0"/>
+          </a:p>
+        </p:txBody>
+      </p:sp>
+      <p:sp>
+        <p:nvSpPr>
+          <p:cNvPr id="3" name="Vertical Text Placeholder 2"/>
           <p:cNvSpPr>
             <a:spLocks noGrp="1"/>
           </p:cNvSpPr>
@@ -593,8 +531,8 @@
         </p:nvSpPr>
         <p:spPr>
           <a:xfrm>
-            <a:off x="838200" y="365125"/>
-            <a:ext cx="7734300" cy="5811838"/>
+            <a:off x="628650" y="365125"/>
+            <a:ext cx="5800725" cy="5811838"/>
           </a:xfrm>
         </p:spPr>
         <p:txBody>
@@ -634,18 +572,13 @@
               <a:rPr lang="en-US"/>
               <a:t>Fifth level</a:t>
             </a:r>
-          </a:p>
-        </p:txBody>
-      </p:sp>
-      <p:sp>
-        <p:nvSpPr>
-          <p:cNvPr id="4" name="Date Placeholder 3">
-            <a:extLst>
-              <a:ext uri="{FF2B5EF4-FFF2-40B4-BE49-F238E27FC236}">
-                <a16:creationId xmlns:a16="http://schemas.microsoft.com/office/drawing/2014/main" id="{7ADF9D53-1BB6-07E0-2A5F-7C8C65D9A576}"/>
-              </a:ext>
-            </a:extLst>
-          </p:cNvPr>
+            <a:endParaRPr lang="en-US" dirty="0"/>
+          </a:p>
+        </p:txBody>
+      </p:sp>
+      <p:sp>
+        <p:nvSpPr>
+          <p:cNvPr id="4" name="Date Placeholder 3"/>
           <p:cNvSpPr>
             <a:spLocks noGrp="1"/>
           </p:cNvSpPr>
@@ -660,7 +593,7 @@
           <a:p>
             <a:fld id="{769A9FD1-E899-49D4-8064-B6E78C9B97AE}" type="datetimeFigureOut">
               <a:rPr lang="en-US" smtClean="0"/>
-              <a:t>1/6/2023</a:t>
+              <a:t>1/12/2023</a:t>
             </a:fld>
             <a:endParaRPr lang="en-US"/>
           </a:p>
@@ -668,13 +601,7 @@
       </p:sp>
       <p:sp>
         <p:nvSpPr>
-          <p:cNvPr id="5" name="Footer Placeholder 4">
-            <a:extLst>
-              <a:ext uri="{FF2B5EF4-FFF2-40B4-BE49-F238E27FC236}">
-                <a16:creationId xmlns:a16="http://schemas.microsoft.com/office/drawing/2014/main" id="{ADB14B68-AB46-9E52-C949-134D788DC369}"/>
-              </a:ext>
-            </a:extLst>
-          </p:cNvPr>
+          <p:cNvPr id="5" name="Footer Placeholder 4"/>
           <p:cNvSpPr>
             <a:spLocks noGrp="1"/>
           </p:cNvSpPr>
@@ -693,13 +620,7 @@
       </p:sp>
       <p:sp>
         <p:nvSpPr>
-          <p:cNvPr id="6" name="Slide Number Placeholder 5">
-            <a:extLst>
-              <a:ext uri="{FF2B5EF4-FFF2-40B4-BE49-F238E27FC236}">
-                <a16:creationId xmlns:a16="http://schemas.microsoft.com/office/drawing/2014/main" id="{8EA3033A-0890-B5FE-126B-59C4A33B2575}"/>
-              </a:ext>
-            </a:extLst>
-          </p:cNvPr>
+          <p:cNvPr id="6" name="Slide Number Placeholder 5"/>
           <p:cNvSpPr>
             <a:spLocks noGrp="1"/>
           </p:cNvSpPr>
@@ -723,7 +644,7 @@
     </p:spTree>
     <p:extLst>
       <p:ext uri="{BB962C8B-B14F-4D97-AF65-F5344CB8AC3E}">
-        <p14:creationId xmlns:p14="http://schemas.microsoft.com/office/powerpoint/2010/main" val="2102940348"/>
+        <p14:creationId xmlns:p14="http://schemas.microsoft.com/office/powerpoint/2010/main" val="1110308597"/>
       </p:ext>
     </p:extLst>
   </p:cSld>
@@ -752,13 +673,7 @@
       </p:grpSpPr>
       <p:sp>
         <p:nvSpPr>
-          <p:cNvPr id="2" name="Title 1">
-            <a:extLst>
-              <a:ext uri="{FF2B5EF4-FFF2-40B4-BE49-F238E27FC236}">
-                <a16:creationId xmlns:a16="http://schemas.microsoft.com/office/drawing/2014/main" id="{15B872FF-4B8B-90C2-54D4-E606DDB470D8}"/>
-              </a:ext>
-            </a:extLst>
-          </p:cNvPr>
+          <p:cNvPr id="2" name="Title 1"/>
           <p:cNvSpPr>
             <a:spLocks noGrp="1"/>
           </p:cNvSpPr>
@@ -775,18 +690,13 @@
               <a:rPr lang="en-US"/>
               <a:t>Click to edit Master title style</a:t>
             </a:r>
-          </a:p>
-        </p:txBody>
-      </p:sp>
-      <p:sp>
-        <p:nvSpPr>
-          <p:cNvPr id="3" name="Content Placeholder 2">
-            <a:extLst>
-              <a:ext uri="{FF2B5EF4-FFF2-40B4-BE49-F238E27FC236}">
-                <a16:creationId xmlns:a16="http://schemas.microsoft.com/office/drawing/2014/main" id="{4A1F27C3-FD85-05DF-3EF9-7DEC341CB557}"/>
-              </a:ext>
-            </a:extLst>
-          </p:cNvPr>
+            <a:endParaRPr lang="en-US" dirty="0"/>
+          </a:p>
+        </p:txBody>
+      </p:sp>
+      <p:sp>
+        <p:nvSpPr>
+          <p:cNvPr id="3" name="Content Placeholder 2"/>
           <p:cNvSpPr>
             <a:spLocks noGrp="1"/>
           </p:cNvSpPr>
@@ -832,18 +742,13 @@
               <a:rPr lang="en-US"/>
               <a:t>Fifth level</a:t>
             </a:r>
-          </a:p>
-        </p:txBody>
-      </p:sp>
-      <p:sp>
-        <p:nvSpPr>
-          <p:cNvPr id="4" name="Date Placeholder 3">
-            <a:extLst>
-              <a:ext uri="{FF2B5EF4-FFF2-40B4-BE49-F238E27FC236}">
-                <a16:creationId xmlns:a16="http://schemas.microsoft.com/office/drawing/2014/main" id="{D9609299-61B3-6289-92F0-A193D4A89316}"/>
-              </a:ext>
-            </a:extLst>
-          </p:cNvPr>
+            <a:endParaRPr lang="en-US" dirty="0"/>
+          </a:p>
+        </p:txBody>
+      </p:sp>
+      <p:sp>
+        <p:nvSpPr>
+          <p:cNvPr id="4" name="Date Placeholder 3"/>
           <p:cNvSpPr>
             <a:spLocks noGrp="1"/>
           </p:cNvSpPr>
@@ -858,7 +763,7 @@
           <a:p>
             <a:fld id="{769A9FD1-E899-49D4-8064-B6E78C9B97AE}" type="datetimeFigureOut">
               <a:rPr lang="en-US" smtClean="0"/>
-              <a:t>1/6/2023</a:t>
+              <a:t>1/12/2023</a:t>
             </a:fld>
             <a:endParaRPr lang="en-US"/>
           </a:p>
@@ -866,13 +771,7 @@
       </p:sp>
       <p:sp>
         <p:nvSpPr>
-          <p:cNvPr id="5" name="Footer Placeholder 4">
-            <a:extLst>
-              <a:ext uri="{FF2B5EF4-FFF2-40B4-BE49-F238E27FC236}">
-                <a16:creationId xmlns:a16="http://schemas.microsoft.com/office/drawing/2014/main" id="{E9773F1D-8117-910A-DD79-06D9A5AD6998}"/>
-              </a:ext>
-            </a:extLst>
-          </p:cNvPr>
+          <p:cNvPr id="5" name="Footer Placeholder 4"/>
           <p:cNvSpPr>
             <a:spLocks noGrp="1"/>
           </p:cNvSpPr>
@@ -891,13 +790,7 @@
       </p:sp>
       <p:sp>
         <p:nvSpPr>
-          <p:cNvPr id="6" name="Slide Number Placeholder 5">
-            <a:extLst>
-              <a:ext uri="{FF2B5EF4-FFF2-40B4-BE49-F238E27FC236}">
-                <a16:creationId xmlns:a16="http://schemas.microsoft.com/office/drawing/2014/main" id="{52E20D2D-36BD-B4AB-27C0-0E53CB575969}"/>
-              </a:ext>
-            </a:extLst>
-          </p:cNvPr>
+          <p:cNvPr id="6" name="Slide Number Placeholder 5"/>
           <p:cNvSpPr>
             <a:spLocks noGrp="1"/>
           </p:cNvSpPr>
@@ -921,7 +814,7 @@
     </p:spTree>
     <p:extLst>
       <p:ext uri="{BB962C8B-B14F-4D97-AF65-F5344CB8AC3E}">
-        <p14:creationId xmlns:p14="http://schemas.microsoft.com/office/powerpoint/2010/main" val="2040301157"/>
+        <p14:creationId xmlns:p14="http://schemas.microsoft.com/office/powerpoint/2010/main" val="4140248985"/>
       </p:ext>
     </p:extLst>
   </p:cSld>
@@ -950,13 +843,7 @@
       </p:grpSpPr>
       <p:sp>
         <p:nvSpPr>
-          <p:cNvPr id="2" name="Title 1">
-            <a:extLst>
-              <a:ext uri="{FF2B5EF4-FFF2-40B4-BE49-F238E27FC236}">
-                <a16:creationId xmlns:a16="http://schemas.microsoft.com/office/drawing/2014/main" id="{D95B46A0-09B4-B8E6-B3B1-30DE2E8E5B0A}"/>
-              </a:ext>
-            </a:extLst>
-          </p:cNvPr>
+          <p:cNvPr id="2" name="Title 1"/>
           <p:cNvSpPr>
             <a:spLocks noGrp="1"/>
           </p:cNvSpPr>
@@ -966,8 +853,8 @@
         </p:nvSpPr>
         <p:spPr>
           <a:xfrm>
-            <a:off x="831850" y="1709738"/>
-            <a:ext cx="10515600" cy="2852737"/>
+            <a:off x="623888" y="1709739"/>
+            <a:ext cx="7886700" cy="2852737"/>
           </a:xfrm>
         </p:spPr>
         <p:txBody>
@@ -982,18 +869,13 @@
               <a:rPr lang="en-US"/>
               <a:t>Click to edit Master title style</a:t>
             </a:r>
-          </a:p>
-        </p:txBody>
-      </p:sp>
-      <p:sp>
-        <p:nvSpPr>
-          <p:cNvPr id="3" name="Text Placeholder 2">
-            <a:extLst>
-              <a:ext uri="{FF2B5EF4-FFF2-40B4-BE49-F238E27FC236}">
-                <a16:creationId xmlns:a16="http://schemas.microsoft.com/office/drawing/2014/main" id="{FCCA5BA6-4E94-F851-2AFF-D18D2D496BAF}"/>
-              </a:ext>
-            </a:extLst>
-          </p:cNvPr>
+            <a:endParaRPr lang="en-US" dirty="0"/>
+          </a:p>
+        </p:txBody>
+      </p:sp>
+      <p:sp>
+        <p:nvSpPr>
+          <p:cNvPr id="3" name="Text Placeholder 2"/>
           <p:cNvSpPr>
             <a:spLocks noGrp="1"/>
           </p:cNvSpPr>
@@ -1003,8 +885,8 @@
         </p:nvSpPr>
         <p:spPr>
           <a:xfrm>
-            <a:off x="831850" y="4589463"/>
-            <a:ext cx="10515600" cy="1500187"/>
+            <a:off x="623888" y="4589464"/>
+            <a:ext cx="7886700" cy="1500187"/>
           </a:xfrm>
         </p:spPr>
         <p:txBody>
@@ -1014,9 +896,7 @@
               <a:buNone/>
               <a:defRPr sz="2400">
                 <a:solidFill>
-                  <a:schemeClr val="tx1">
-                    <a:tint val="75000"/>
-                  </a:schemeClr>
+                  <a:schemeClr val="tx1"/>
                 </a:solidFill>
               </a:defRPr>
             </a:lvl1pPr>
@@ -1112,13 +992,7 @@
       </p:sp>
       <p:sp>
         <p:nvSpPr>
-          <p:cNvPr id="4" name="Date Placeholder 3">
-            <a:extLst>
-              <a:ext uri="{FF2B5EF4-FFF2-40B4-BE49-F238E27FC236}">
-                <a16:creationId xmlns:a16="http://schemas.microsoft.com/office/drawing/2014/main" id="{AB888DBB-6E29-2AD7-238F-B907CBDB9858}"/>
-              </a:ext>
-            </a:extLst>
-          </p:cNvPr>
+          <p:cNvPr id="4" name="Date Placeholder 3"/>
           <p:cNvSpPr>
             <a:spLocks noGrp="1"/>
           </p:cNvSpPr>
@@ -1133,7 +1007,7 @@
           <a:p>
             <a:fld id="{769A9FD1-E899-49D4-8064-B6E78C9B97AE}" type="datetimeFigureOut">
               <a:rPr lang="en-US" smtClean="0"/>
-              <a:t>1/6/2023</a:t>
+              <a:t>1/12/2023</a:t>
             </a:fld>
             <a:endParaRPr lang="en-US"/>
           </a:p>
@@ -1141,13 +1015,7 @@
       </p:sp>
       <p:sp>
         <p:nvSpPr>
-          <p:cNvPr id="5" name="Footer Placeholder 4">
-            <a:extLst>
-              <a:ext uri="{FF2B5EF4-FFF2-40B4-BE49-F238E27FC236}">
-                <a16:creationId xmlns:a16="http://schemas.microsoft.com/office/drawing/2014/main" id="{32CB1F8F-ACF3-7F49-99EA-CF2739DF0095}"/>
-              </a:ext>
-            </a:extLst>
-          </p:cNvPr>
+          <p:cNvPr id="5" name="Footer Placeholder 4"/>
           <p:cNvSpPr>
             <a:spLocks noGrp="1"/>
           </p:cNvSpPr>
@@ -1166,13 +1034,7 @@
       </p:sp>
       <p:sp>
         <p:nvSpPr>
-          <p:cNvPr id="6" name="Slide Number Placeholder 5">
-            <a:extLst>
-              <a:ext uri="{FF2B5EF4-FFF2-40B4-BE49-F238E27FC236}">
-                <a16:creationId xmlns:a16="http://schemas.microsoft.com/office/drawing/2014/main" id="{34F99973-3CDA-391F-E51B-3893C367FDA0}"/>
-              </a:ext>
-            </a:extLst>
-          </p:cNvPr>
+          <p:cNvPr id="6" name="Slide Number Placeholder 5"/>
           <p:cNvSpPr>
             <a:spLocks noGrp="1"/>
           </p:cNvSpPr>
@@ -1196,7 +1058,7 @@
     </p:spTree>
     <p:extLst>
       <p:ext uri="{BB962C8B-B14F-4D97-AF65-F5344CB8AC3E}">
-        <p14:creationId xmlns:p14="http://schemas.microsoft.com/office/powerpoint/2010/main" val="2035441387"/>
+        <p14:creationId xmlns:p14="http://schemas.microsoft.com/office/powerpoint/2010/main" val="2802408926"/>
       </p:ext>
     </p:extLst>
   </p:cSld>
@@ -1225,13 +1087,7 @@
       </p:grpSpPr>
       <p:sp>
         <p:nvSpPr>
-          <p:cNvPr id="2" name="Title 1">
-            <a:extLst>
-              <a:ext uri="{FF2B5EF4-FFF2-40B4-BE49-F238E27FC236}">
-                <a16:creationId xmlns:a16="http://schemas.microsoft.com/office/drawing/2014/main" id="{3DA55573-E5F6-FD67-C408-C7A9ADE64CD4}"/>
-              </a:ext>
-            </a:extLst>
-          </p:cNvPr>
+          <p:cNvPr id="2" name="Title 1"/>
           <p:cNvSpPr>
             <a:spLocks noGrp="1"/>
           </p:cNvSpPr>
@@ -1248,18 +1104,13 @@
               <a:rPr lang="en-US"/>
               <a:t>Click to edit Master title style</a:t>
             </a:r>
-          </a:p>
-        </p:txBody>
-      </p:sp>
-      <p:sp>
-        <p:nvSpPr>
-          <p:cNvPr id="3" name="Content Placeholder 2">
-            <a:extLst>
-              <a:ext uri="{FF2B5EF4-FFF2-40B4-BE49-F238E27FC236}">
-                <a16:creationId xmlns:a16="http://schemas.microsoft.com/office/drawing/2014/main" id="{559D7268-410B-75B3-D302-E7500147F662}"/>
-              </a:ext>
-            </a:extLst>
-          </p:cNvPr>
+            <a:endParaRPr lang="en-US" dirty="0"/>
+          </a:p>
+        </p:txBody>
+      </p:sp>
+      <p:sp>
+        <p:nvSpPr>
+          <p:cNvPr id="3" name="Content Placeholder 2"/>
           <p:cNvSpPr>
             <a:spLocks noGrp="1"/>
           </p:cNvSpPr>
@@ -1269,8 +1120,8 @@
         </p:nvSpPr>
         <p:spPr>
           <a:xfrm>
-            <a:off x="838200" y="1825625"/>
-            <a:ext cx="5181600" cy="4351338"/>
+            <a:off x="628650" y="1825625"/>
+            <a:ext cx="3886200" cy="4351338"/>
           </a:xfrm>
         </p:spPr>
         <p:txBody>
@@ -1310,18 +1161,13 @@
               <a:rPr lang="en-US"/>
               <a:t>Fifth level</a:t>
             </a:r>
-          </a:p>
-        </p:txBody>
-      </p:sp>
-      <p:sp>
-        <p:nvSpPr>
-          <p:cNvPr id="4" name="Content Placeholder 3">
-            <a:extLst>
-              <a:ext uri="{FF2B5EF4-FFF2-40B4-BE49-F238E27FC236}">
-                <a16:creationId xmlns:a16="http://schemas.microsoft.com/office/drawing/2014/main" id="{0A859EC6-F3DF-7AA9-8864-A509916A32BF}"/>
-              </a:ext>
-            </a:extLst>
-          </p:cNvPr>
+            <a:endParaRPr lang="en-US" dirty="0"/>
+          </a:p>
+        </p:txBody>
+      </p:sp>
+      <p:sp>
+        <p:nvSpPr>
+          <p:cNvPr id="4" name="Content Placeholder 3"/>
           <p:cNvSpPr>
             <a:spLocks noGrp="1"/>
           </p:cNvSpPr>
@@ -1331,8 +1177,8 @@
         </p:nvSpPr>
         <p:spPr>
           <a:xfrm>
-            <a:off x="6172200" y="1825625"/>
-            <a:ext cx="5181600" cy="4351338"/>
+            <a:off x="4629150" y="1825625"/>
+            <a:ext cx="3886200" cy="4351338"/>
           </a:xfrm>
         </p:spPr>
         <p:txBody>
@@ -1372,18 +1218,13 @@
               <a:rPr lang="en-US"/>
               <a:t>Fifth level</a:t>
             </a:r>
-          </a:p>
-        </p:txBody>
-      </p:sp>
-      <p:sp>
-        <p:nvSpPr>
-          <p:cNvPr id="5" name="Date Placeholder 4">
-            <a:extLst>
-              <a:ext uri="{FF2B5EF4-FFF2-40B4-BE49-F238E27FC236}">
-                <a16:creationId xmlns:a16="http://schemas.microsoft.com/office/drawing/2014/main" id="{46B967D6-47EC-04D3-30D2-7A02B44CA6C0}"/>
-              </a:ext>
-            </a:extLst>
-          </p:cNvPr>
+            <a:endParaRPr lang="en-US" dirty="0"/>
+          </a:p>
+        </p:txBody>
+      </p:sp>
+      <p:sp>
+        <p:nvSpPr>
+          <p:cNvPr id="5" name="Date Placeholder 4"/>
           <p:cNvSpPr>
             <a:spLocks noGrp="1"/>
           </p:cNvSpPr>
@@ -1398,7 +1239,7 @@
           <a:p>
             <a:fld id="{769A9FD1-E899-49D4-8064-B6E78C9B97AE}" type="datetimeFigureOut">
               <a:rPr lang="en-US" smtClean="0"/>
-              <a:t>1/6/2023</a:t>
+              <a:t>1/12/2023</a:t>
             </a:fld>
             <a:endParaRPr lang="en-US"/>
           </a:p>
@@ -1406,13 +1247,7 @@
       </p:sp>
       <p:sp>
         <p:nvSpPr>
-          <p:cNvPr id="6" name="Footer Placeholder 5">
-            <a:extLst>
-              <a:ext uri="{FF2B5EF4-FFF2-40B4-BE49-F238E27FC236}">
-                <a16:creationId xmlns:a16="http://schemas.microsoft.com/office/drawing/2014/main" id="{35BF781C-2B1F-2485-486E-909563E38CC6}"/>
-              </a:ext>
-            </a:extLst>
-          </p:cNvPr>
+          <p:cNvPr id="6" name="Footer Placeholder 5"/>
           <p:cNvSpPr>
             <a:spLocks noGrp="1"/>
           </p:cNvSpPr>
@@ -1431,13 +1266,7 @@
       </p:sp>
       <p:sp>
         <p:nvSpPr>
-          <p:cNvPr id="7" name="Slide Number Placeholder 6">
-            <a:extLst>
-              <a:ext uri="{FF2B5EF4-FFF2-40B4-BE49-F238E27FC236}">
-                <a16:creationId xmlns:a16="http://schemas.microsoft.com/office/drawing/2014/main" id="{3486900D-2985-CDC6-1E7A-2622C10428A6}"/>
-              </a:ext>
-            </a:extLst>
-          </p:cNvPr>
+          <p:cNvPr id="7" name="Slide Number Placeholder 6"/>
           <p:cNvSpPr>
             <a:spLocks noGrp="1"/>
           </p:cNvSpPr>
@@ -1461,7 +1290,7 @@
     </p:spTree>
     <p:extLst>
       <p:ext uri="{BB962C8B-B14F-4D97-AF65-F5344CB8AC3E}">
-        <p14:creationId xmlns:p14="http://schemas.microsoft.com/office/powerpoint/2010/main" val="3970540391"/>
+        <p14:creationId xmlns:p14="http://schemas.microsoft.com/office/powerpoint/2010/main" val="224126758"/>
       </p:ext>
     </p:extLst>
   </p:cSld>
@@ -1490,13 +1319,7 @@
       </p:grpSpPr>
       <p:sp>
         <p:nvSpPr>
-          <p:cNvPr id="2" name="Title 1">
-            <a:extLst>
-              <a:ext uri="{FF2B5EF4-FFF2-40B4-BE49-F238E27FC236}">
-                <a16:creationId xmlns:a16="http://schemas.microsoft.com/office/drawing/2014/main" id="{E6D2353B-B688-3EF4-EEF1-F5614870E856}"/>
-              </a:ext>
-            </a:extLst>
-          </p:cNvPr>
+          <p:cNvPr id="2" name="Title 1"/>
           <p:cNvSpPr>
             <a:spLocks noGrp="1"/>
           </p:cNvSpPr>
@@ -1506,8 +1329,8 @@
         </p:nvSpPr>
         <p:spPr>
           <a:xfrm>
-            <a:off x="839788" y="365125"/>
-            <a:ext cx="10515600" cy="1325563"/>
+            <a:off x="629841" y="365126"/>
+            <a:ext cx="7886700" cy="1325563"/>
           </a:xfrm>
         </p:spPr>
         <p:txBody>
@@ -1518,18 +1341,13 @@
               <a:rPr lang="en-US"/>
               <a:t>Click to edit Master title style</a:t>
             </a:r>
-          </a:p>
-        </p:txBody>
-      </p:sp>
-      <p:sp>
-        <p:nvSpPr>
-          <p:cNvPr id="3" name="Text Placeholder 2">
-            <a:extLst>
-              <a:ext uri="{FF2B5EF4-FFF2-40B4-BE49-F238E27FC236}">
-                <a16:creationId xmlns:a16="http://schemas.microsoft.com/office/drawing/2014/main" id="{C048DFB0-6B7A-77E6-9F1C-33EEB4B776C4}"/>
-              </a:ext>
-            </a:extLst>
-          </p:cNvPr>
+            <a:endParaRPr lang="en-US" dirty="0"/>
+          </a:p>
+        </p:txBody>
+      </p:sp>
+      <p:sp>
+        <p:nvSpPr>
+          <p:cNvPr id="3" name="Text Placeholder 2"/>
           <p:cNvSpPr>
             <a:spLocks noGrp="1"/>
           </p:cNvSpPr>
@@ -1539,8 +1357,8 @@
         </p:nvSpPr>
         <p:spPr>
           <a:xfrm>
-            <a:off x="839788" y="1681163"/>
-            <a:ext cx="5157787" cy="823912"/>
+            <a:off x="629842" y="1681163"/>
+            <a:ext cx="3868340" cy="823912"/>
           </a:xfrm>
         </p:spPr>
         <p:txBody>
@@ -1594,13 +1412,7 @@
       </p:sp>
       <p:sp>
         <p:nvSpPr>
-          <p:cNvPr id="4" name="Content Placeholder 3">
-            <a:extLst>
-              <a:ext uri="{FF2B5EF4-FFF2-40B4-BE49-F238E27FC236}">
-                <a16:creationId xmlns:a16="http://schemas.microsoft.com/office/drawing/2014/main" id="{8D388BD0-A967-7FA2-DD23-869163B6EB0A}"/>
-              </a:ext>
-            </a:extLst>
-          </p:cNvPr>
+          <p:cNvPr id="4" name="Content Placeholder 3"/>
           <p:cNvSpPr>
             <a:spLocks noGrp="1"/>
           </p:cNvSpPr>
@@ -1610,8 +1422,8 @@
         </p:nvSpPr>
         <p:spPr>
           <a:xfrm>
-            <a:off x="839788" y="2505075"/>
-            <a:ext cx="5157787" cy="3684588"/>
+            <a:off x="629842" y="2505075"/>
+            <a:ext cx="3868340" cy="3684588"/>
           </a:xfrm>
         </p:spPr>
         <p:txBody>
@@ -1651,18 +1463,13 @@
               <a:rPr lang="en-US"/>
               <a:t>Fifth level</a:t>
             </a:r>
-          </a:p>
-        </p:txBody>
-      </p:sp>
-      <p:sp>
-        <p:nvSpPr>
-          <p:cNvPr id="5" name="Text Placeholder 4">
-            <a:extLst>
-              <a:ext uri="{FF2B5EF4-FFF2-40B4-BE49-F238E27FC236}">
-                <a16:creationId xmlns:a16="http://schemas.microsoft.com/office/drawing/2014/main" id="{E9814198-DF27-A14C-1370-16CE09E82E34}"/>
-              </a:ext>
-            </a:extLst>
-          </p:cNvPr>
+            <a:endParaRPr lang="en-US" dirty="0"/>
+          </a:p>
+        </p:txBody>
+      </p:sp>
+      <p:sp>
+        <p:nvSpPr>
+          <p:cNvPr id="5" name="Text Placeholder 4"/>
           <p:cNvSpPr>
             <a:spLocks noGrp="1"/>
           </p:cNvSpPr>
@@ -1672,8 +1479,8 @@
         </p:nvSpPr>
         <p:spPr>
           <a:xfrm>
-            <a:off x="6172200" y="1681163"/>
-            <a:ext cx="5183188" cy="823912"/>
+            <a:off x="4629150" y="1681163"/>
+            <a:ext cx="3887391" cy="823912"/>
           </a:xfrm>
         </p:spPr>
         <p:txBody>
@@ -1727,13 +1534,7 @@
       </p:sp>
       <p:sp>
         <p:nvSpPr>
-          <p:cNvPr id="6" name="Content Placeholder 5">
-            <a:extLst>
-              <a:ext uri="{FF2B5EF4-FFF2-40B4-BE49-F238E27FC236}">
-                <a16:creationId xmlns:a16="http://schemas.microsoft.com/office/drawing/2014/main" id="{523E672D-9D4B-BD8A-0D16-0A82A304D4C5}"/>
-              </a:ext>
-            </a:extLst>
-          </p:cNvPr>
+          <p:cNvPr id="6" name="Content Placeholder 5"/>
           <p:cNvSpPr>
             <a:spLocks noGrp="1"/>
           </p:cNvSpPr>
@@ -1743,8 +1544,8 @@
         </p:nvSpPr>
         <p:spPr>
           <a:xfrm>
-            <a:off x="6172200" y="2505075"/>
-            <a:ext cx="5183188" cy="3684588"/>
+            <a:off x="4629150" y="2505075"/>
+            <a:ext cx="3887391" cy="3684588"/>
           </a:xfrm>
         </p:spPr>
         <p:txBody>
@@ -1784,18 +1585,13 @@
               <a:rPr lang="en-US"/>
               <a:t>Fifth level</a:t>
             </a:r>
-          </a:p>
-        </p:txBody>
-      </p:sp>
-      <p:sp>
-        <p:nvSpPr>
-          <p:cNvPr id="7" name="Date Placeholder 6">
-            <a:extLst>
-              <a:ext uri="{FF2B5EF4-FFF2-40B4-BE49-F238E27FC236}">
-                <a16:creationId xmlns:a16="http://schemas.microsoft.com/office/drawing/2014/main" id="{4AA3EB07-56CF-43B9-09E2-FC3338D79DFE}"/>
-              </a:ext>
-            </a:extLst>
-          </p:cNvPr>
+            <a:endParaRPr lang="en-US" dirty="0"/>
+          </a:p>
+        </p:txBody>
+      </p:sp>
+      <p:sp>
+        <p:nvSpPr>
+          <p:cNvPr id="7" name="Date Placeholder 6"/>
           <p:cNvSpPr>
             <a:spLocks noGrp="1"/>
           </p:cNvSpPr>
@@ -1810,7 +1606,7 @@
           <a:p>
             <a:fld id="{769A9FD1-E899-49D4-8064-B6E78C9B97AE}" type="datetimeFigureOut">
               <a:rPr lang="en-US" smtClean="0"/>
-              <a:t>1/6/2023</a:t>
+              <a:t>1/12/2023</a:t>
             </a:fld>
             <a:endParaRPr lang="en-US"/>
           </a:p>
@@ -1818,13 +1614,7 @@
       </p:sp>
       <p:sp>
         <p:nvSpPr>
-          <p:cNvPr id="8" name="Footer Placeholder 7">
-            <a:extLst>
-              <a:ext uri="{FF2B5EF4-FFF2-40B4-BE49-F238E27FC236}">
-                <a16:creationId xmlns:a16="http://schemas.microsoft.com/office/drawing/2014/main" id="{DFE64475-91E1-DE2D-67FD-A0D733272C4D}"/>
-              </a:ext>
-            </a:extLst>
-          </p:cNvPr>
+          <p:cNvPr id="8" name="Footer Placeholder 7"/>
           <p:cNvSpPr>
             <a:spLocks noGrp="1"/>
           </p:cNvSpPr>
@@ -1843,13 +1633,7 @@
       </p:sp>
       <p:sp>
         <p:nvSpPr>
-          <p:cNvPr id="9" name="Slide Number Placeholder 8">
-            <a:extLst>
-              <a:ext uri="{FF2B5EF4-FFF2-40B4-BE49-F238E27FC236}">
-                <a16:creationId xmlns:a16="http://schemas.microsoft.com/office/drawing/2014/main" id="{6951E2F3-1FAB-B79F-2648-667A305DFDCD}"/>
-              </a:ext>
-            </a:extLst>
-          </p:cNvPr>
+          <p:cNvPr id="9" name="Slide Number Placeholder 8"/>
           <p:cNvSpPr>
             <a:spLocks noGrp="1"/>
           </p:cNvSpPr>
@@ -1873,7 +1657,7 @@
     </p:spTree>
     <p:extLst>
       <p:ext uri="{BB962C8B-B14F-4D97-AF65-F5344CB8AC3E}">
-        <p14:creationId xmlns:p14="http://schemas.microsoft.com/office/powerpoint/2010/main" val="769185445"/>
+        <p14:creationId xmlns:p14="http://schemas.microsoft.com/office/powerpoint/2010/main" val="3307784593"/>
       </p:ext>
     </p:extLst>
   </p:cSld>
@@ -1902,13 +1686,7 @@
       </p:grpSpPr>
       <p:sp>
         <p:nvSpPr>
-          <p:cNvPr id="2" name="Title 1">
-            <a:extLst>
-              <a:ext uri="{FF2B5EF4-FFF2-40B4-BE49-F238E27FC236}">
-                <a16:creationId xmlns:a16="http://schemas.microsoft.com/office/drawing/2014/main" id="{E714CF3B-0DE1-A4F0-810E-3E2A6A2F3207}"/>
-              </a:ext>
-            </a:extLst>
-          </p:cNvPr>
+          <p:cNvPr id="2" name="Title 1"/>
           <p:cNvSpPr>
             <a:spLocks noGrp="1"/>
           </p:cNvSpPr>
@@ -1925,18 +1703,13 @@
               <a:rPr lang="en-US"/>
               <a:t>Click to edit Master title style</a:t>
             </a:r>
-          </a:p>
-        </p:txBody>
-      </p:sp>
-      <p:sp>
-        <p:nvSpPr>
-          <p:cNvPr id="3" name="Date Placeholder 2">
-            <a:extLst>
-              <a:ext uri="{FF2B5EF4-FFF2-40B4-BE49-F238E27FC236}">
-                <a16:creationId xmlns:a16="http://schemas.microsoft.com/office/drawing/2014/main" id="{9120166E-5011-A7B7-1043-51168E9F5F94}"/>
-              </a:ext>
-            </a:extLst>
-          </p:cNvPr>
+            <a:endParaRPr lang="en-US" dirty="0"/>
+          </a:p>
+        </p:txBody>
+      </p:sp>
+      <p:sp>
+        <p:nvSpPr>
+          <p:cNvPr id="3" name="Date Placeholder 2"/>
           <p:cNvSpPr>
             <a:spLocks noGrp="1"/>
           </p:cNvSpPr>
@@ -1951,7 +1724,7 @@
           <a:p>
             <a:fld id="{769A9FD1-E899-49D4-8064-B6E78C9B97AE}" type="datetimeFigureOut">
               <a:rPr lang="en-US" smtClean="0"/>
-              <a:t>1/6/2023</a:t>
+              <a:t>1/12/2023</a:t>
             </a:fld>
             <a:endParaRPr lang="en-US"/>
           </a:p>
@@ -1959,13 +1732,7 @@
       </p:sp>
       <p:sp>
         <p:nvSpPr>
-          <p:cNvPr id="4" name="Footer Placeholder 3">
-            <a:extLst>
-              <a:ext uri="{FF2B5EF4-FFF2-40B4-BE49-F238E27FC236}">
-                <a16:creationId xmlns:a16="http://schemas.microsoft.com/office/drawing/2014/main" id="{95147206-8A65-DB90-F2F1-958973A65013}"/>
-              </a:ext>
-            </a:extLst>
-          </p:cNvPr>
+          <p:cNvPr id="4" name="Footer Placeholder 3"/>
           <p:cNvSpPr>
             <a:spLocks noGrp="1"/>
           </p:cNvSpPr>
@@ -1984,13 +1751,7 @@
       </p:sp>
       <p:sp>
         <p:nvSpPr>
-          <p:cNvPr id="5" name="Slide Number Placeholder 4">
-            <a:extLst>
-              <a:ext uri="{FF2B5EF4-FFF2-40B4-BE49-F238E27FC236}">
-                <a16:creationId xmlns:a16="http://schemas.microsoft.com/office/drawing/2014/main" id="{C3EDE7DE-7B30-496A-A04E-E369D85EE02D}"/>
-              </a:ext>
-            </a:extLst>
-          </p:cNvPr>
+          <p:cNvPr id="5" name="Slide Number Placeholder 4"/>
           <p:cNvSpPr>
             <a:spLocks noGrp="1"/>
           </p:cNvSpPr>
@@ -2014,7 +1775,7 @@
     </p:spTree>
     <p:extLst>
       <p:ext uri="{BB962C8B-B14F-4D97-AF65-F5344CB8AC3E}">
-        <p14:creationId xmlns:p14="http://schemas.microsoft.com/office/powerpoint/2010/main" val="3916533225"/>
+        <p14:creationId xmlns:p14="http://schemas.microsoft.com/office/powerpoint/2010/main" val="4030063889"/>
       </p:ext>
     </p:extLst>
   </p:cSld>
@@ -2043,13 +1804,7 @@
       </p:grpSpPr>
       <p:sp>
         <p:nvSpPr>
-          <p:cNvPr id="2" name="Date Placeholder 1">
-            <a:extLst>
-              <a:ext uri="{FF2B5EF4-FFF2-40B4-BE49-F238E27FC236}">
-                <a16:creationId xmlns:a16="http://schemas.microsoft.com/office/drawing/2014/main" id="{FEF90428-3BD4-8497-B0B0-599DB0E21B1C}"/>
-              </a:ext>
-            </a:extLst>
-          </p:cNvPr>
+          <p:cNvPr id="2" name="Date Placeholder 1"/>
           <p:cNvSpPr>
             <a:spLocks noGrp="1"/>
           </p:cNvSpPr>
@@ -2064,7 +1819,7 @@
           <a:p>
             <a:fld id="{769A9FD1-E899-49D4-8064-B6E78C9B97AE}" type="datetimeFigureOut">
               <a:rPr lang="en-US" smtClean="0"/>
-              <a:t>1/6/2023</a:t>
+              <a:t>1/12/2023</a:t>
             </a:fld>
             <a:endParaRPr lang="en-US"/>
           </a:p>
@@ -2072,13 +1827,7 @@
       </p:sp>
       <p:sp>
         <p:nvSpPr>
-          <p:cNvPr id="3" name="Footer Placeholder 2">
-            <a:extLst>
-              <a:ext uri="{FF2B5EF4-FFF2-40B4-BE49-F238E27FC236}">
-                <a16:creationId xmlns:a16="http://schemas.microsoft.com/office/drawing/2014/main" id="{8C271EE1-02C4-E6B8-24B7-5E7C7782882C}"/>
-              </a:ext>
-            </a:extLst>
-          </p:cNvPr>
+          <p:cNvPr id="3" name="Footer Placeholder 2"/>
           <p:cNvSpPr>
             <a:spLocks noGrp="1"/>
           </p:cNvSpPr>
@@ -2097,13 +1846,7 @@
       </p:sp>
       <p:sp>
         <p:nvSpPr>
-          <p:cNvPr id="4" name="Slide Number Placeholder 3">
-            <a:extLst>
-              <a:ext uri="{FF2B5EF4-FFF2-40B4-BE49-F238E27FC236}">
-                <a16:creationId xmlns:a16="http://schemas.microsoft.com/office/drawing/2014/main" id="{208277E7-3C2C-4B95-9A6A-E298006E1163}"/>
-              </a:ext>
-            </a:extLst>
-          </p:cNvPr>
+          <p:cNvPr id="4" name="Slide Number Placeholder 3"/>
           <p:cNvSpPr>
             <a:spLocks noGrp="1"/>
           </p:cNvSpPr>
@@ -2127,7 +1870,7 @@
     </p:spTree>
     <p:extLst>
       <p:ext uri="{BB962C8B-B14F-4D97-AF65-F5344CB8AC3E}">
-        <p14:creationId xmlns:p14="http://schemas.microsoft.com/office/powerpoint/2010/main" val="2075135353"/>
+        <p14:creationId xmlns:p14="http://schemas.microsoft.com/office/powerpoint/2010/main" val="2342963356"/>
       </p:ext>
     </p:extLst>
   </p:cSld>
@@ -2156,13 +1899,7 @@
       </p:grpSpPr>
       <p:sp>
         <p:nvSpPr>
-          <p:cNvPr id="2" name="Title 1">
-            <a:extLst>
-              <a:ext uri="{FF2B5EF4-FFF2-40B4-BE49-F238E27FC236}">
-                <a16:creationId xmlns:a16="http://schemas.microsoft.com/office/drawing/2014/main" id="{8EBF530C-5A43-6DF2-B225-49F14AB3864A}"/>
-              </a:ext>
-            </a:extLst>
-          </p:cNvPr>
+          <p:cNvPr id="2" name="Title 1"/>
           <p:cNvSpPr>
             <a:spLocks noGrp="1"/>
           </p:cNvSpPr>
@@ -2172,8 +1909,8 @@
         </p:nvSpPr>
         <p:spPr>
           <a:xfrm>
-            <a:off x="839788" y="457200"/>
-            <a:ext cx="3932237" cy="1600200"/>
+            <a:off x="629841" y="457200"/>
+            <a:ext cx="2949178" cy="1600200"/>
           </a:xfrm>
         </p:spPr>
         <p:txBody>
@@ -2188,18 +1925,13 @@
               <a:rPr lang="en-US"/>
               <a:t>Click to edit Master title style</a:t>
             </a:r>
-          </a:p>
-        </p:txBody>
-      </p:sp>
-      <p:sp>
-        <p:nvSpPr>
-          <p:cNvPr id="3" name="Content Placeholder 2">
-            <a:extLst>
-              <a:ext uri="{FF2B5EF4-FFF2-40B4-BE49-F238E27FC236}">
-                <a16:creationId xmlns:a16="http://schemas.microsoft.com/office/drawing/2014/main" id="{B68EEBEC-FB1D-1DC1-2D83-0DBE10B848FD}"/>
-              </a:ext>
-            </a:extLst>
-          </p:cNvPr>
+            <a:endParaRPr lang="en-US" dirty="0"/>
+          </a:p>
+        </p:txBody>
+      </p:sp>
+      <p:sp>
+        <p:nvSpPr>
+          <p:cNvPr id="3" name="Content Placeholder 2"/>
           <p:cNvSpPr>
             <a:spLocks noGrp="1"/>
           </p:cNvSpPr>
@@ -2209,8 +1941,8 @@
         </p:nvSpPr>
         <p:spPr>
           <a:xfrm>
-            <a:off x="5183188" y="987425"/>
-            <a:ext cx="6172200" cy="4873625"/>
+            <a:off x="3887391" y="987426"/>
+            <a:ext cx="4629150" cy="4873625"/>
           </a:xfrm>
         </p:spPr>
         <p:txBody>
@@ -2278,18 +2010,13 @@
               <a:rPr lang="en-US"/>
               <a:t>Fifth level</a:t>
             </a:r>
-          </a:p>
-        </p:txBody>
-      </p:sp>
-      <p:sp>
-        <p:nvSpPr>
-          <p:cNvPr id="4" name="Text Placeholder 3">
-            <a:extLst>
-              <a:ext uri="{FF2B5EF4-FFF2-40B4-BE49-F238E27FC236}">
-                <a16:creationId xmlns:a16="http://schemas.microsoft.com/office/drawing/2014/main" id="{F9B1E8D0-3FA3-C721-87AA-84559AB8CCEC}"/>
-              </a:ext>
-            </a:extLst>
-          </p:cNvPr>
+            <a:endParaRPr lang="en-US" dirty="0"/>
+          </a:p>
+        </p:txBody>
+      </p:sp>
+      <p:sp>
+        <p:nvSpPr>
+          <p:cNvPr id="4" name="Text Placeholder 3"/>
           <p:cNvSpPr>
             <a:spLocks noGrp="1"/>
           </p:cNvSpPr>
@@ -2299,8 +2026,8 @@
         </p:nvSpPr>
         <p:spPr>
           <a:xfrm>
-            <a:off x="839788" y="2057400"/>
-            <a:ext cx="3932237" cy="3811588"/>
+            <a:off x="629841" y="2057400"/>
+            <a:ext cx="2949178" cy="3811588"/>
           </a:xfrm>
         </p:spPr>
         <p:txBody>
@@ -2354,13 +2081,7 @@
       </p:sp>
       <p:sp>
         <p:nvSpPr>
-          <p:cNvPr id="5" name="Date Placeholder 4">
-            <a:extLst>
-              <a:ext uri="{FF2B5EF4-FFF2-40B4-BE49-F238E27FC236}">
-                <a16:creationId xmlns:a16="http://schemas.microsoft.com/office/drawing/2014/main" id="{84C6F86F-6691-7302-8CF2-CB77FCB5F419}"/>
-              </a:ext>
-            </a:extLst>
-          </p:cNvPr>
+          <p:cNvPr id="5" name="Date Placeholder 4"/>
           <p:cNvSpPr>
             <a:spLocks noGrp="1"/>
           </p:cNvSpPr>
@@ -2375,7 +2096,7 @@
           <a:p>
             <a:fld id="{769A9FD1-E899-49D4-8064-B6E78C9B97AE}" type="datetimeFigureOut">
               <a:rPr lang="en-US" smtClean="0"/>
-              <a:t>1/6/2023</a:t>
+              <a:t>1/12/2023</a:t>
             </a:fld>
             <a:endParaRPr lang="en-US"/>
           </a:p>
@@ -2383,13 +2104,7 @@
       </p:sp>
       <p:sp>
         <p:nvSpPr>
-          <p:cNvPr id="6" name="Footer Placeholder 5">
-            <a:extLst>
-              <a:ext uri="{FF2B5EF4-FFF2-40B4-BE49-F238E27FC236}">
-                <a16:creationId xmlns:a16="http://schemas.microsoft.com/office/drawing/2014/main" id="{9AE0C9D5-78C9-9A22-2CFD-062DEA311EEA}"/>
-              </a:ext>
-            </a:extLst>
-          </p:cNvPr>
+          <p:cNvPr id="6" name="Footer Placeholder 5"/>
           <p:cNvSpPr>
             <a:spLocks noGrp="1"/>
           </p:cNvSpPr>
@@ -2408,13 +2123,7 @@
       </p:sp>
       <p:sp>
         <p:nvSpPr>
-          <p:cNvPr id="7" name="Slide Number Placeholder 6">
-            <a:extLst>
-              <a:ext uri="{FF2B5EF4-FFF2-40B4-BE49-F238E27FC236}">
-                <a16:creationId xmlns:a16="http://schemas.microsoft.com/office/drawing/2014/main" id="{A1E3A114-AEC1-B2F9-127D-E7CAEF0F4002}"/>
-              </a:ext>
-            </a:extLst>
-          </p:cNvPr>
+          <p:cNvPr id="7" name="Slide Number Placeholder 6"/>
           <p:cNvSpPr>
             <a:spLocks noGrp="1"/>
           </p:cNvSpPr>
@@ -2438,7 +2147,7 @@
     </p:spTree>
     <p:extLst>
       <p:ext uri="{BB962C8B-B14F-4D97-AF65-F5344CB8AC3E}">
-        <p14:creationId xmlns:p14="http://schemas.microsoft.com/office/powerpoint/2010/main" val="750340097"/>
+        <p14:creationId xmlns:p14="http://schemas.microsoft.com/office/powerpoint/2010/main" val="1358123770"/>
       </p:ext>
     </p:extLst>
   </p:cSld>
@@ -2467,13 +2176,7 @@
       </p:grpSpPr>
       <p:sp>
         <p:nvSpPr>
-          <p:cNvPr id="2" name="Title 1">
-            <a:extLst>
-              <a:ext uri="{FF2B5EF4-FFF2-40B4-BE49-F238E27FC236}">
-                <a16:creationId xmlns:a16="http://schemas.microsoft.com/office/drawing/2014/main" id="{DBAD0C0B-4A1B-93FA-A8B6-2C9F32808315}"/>
-              </a:ext>
-            </a:extLst>
-          </p:cNvPr>
+          <p:cNvPr id="2" name="Title 1"/>
           <p:cNvSpPr>
             <a:spLocks noGrp="1"/>
           </p:cNvSpPr>
@@ -2483,8 +2186,8 @@
         </p:nvSpPr>
         <p:spPr>
           <a:xfrm>
-            <a:off x="839788" y="457200"/>
-            <a:ext cx="3932237" cy="1600200"/>
+            <a:off x="629841" y="457200"/>
+            <a:ext cx="2949178" cy="1600200"/>
           </a:xfrm>
         </p:spPr>
         <p:txBody>
@@ -2499,20 +2202,15 @@
               <a:rPr lang="en-US"/>
               <a:t>Click to edit Master title style</a:t>
             </a:r>
-          </a:p>
-        </p:txBody>
-      </p:sp>
-      <p:sp>
-        <p:nvSpPr>
-          <p:cNvPr id="3" name="Picture Placeholder 2">
-            <a:extLst>
-              <a:ext uri="{FF2B5EF4-FFF2-40B4-BE49-F238E27FC236}">
-                <a16:creationId xmlns:a16="http://schemas.microsoft.com/office/drawing/2014/main" id="{CB381B14-3703-EB7A-8BB6-155B3D562153}"/>
-              </a:ext>
-            </a:extLst>
-          </p:cNvPr>
-          <p:cNvSpPr>
-            <a:spLocks noGrp="1"/>
+            <a:endParaRPr lang="en-US" dirty="0"/>
+          </a:p>
+        </p:txBody>
+      </p:sp>
+      <p:sp>
+        <p:nvSpPr>
+          <p:cNvPr id="3" name="Picture Placeholder 2"/>
+          <p:cNvSpPr>
+            <a:spLocks noGrp="1" noChangeAspect="1"/>
           </p:cNvSpPr>
           <p:nvPr>
             <p:ph type="pic" idx="1"/>
@@ -2520,12 +2218,12 @@
         </p:nvSpPr>
         <p:spPr>
           <a:xfrm>
-            <a:off x="5183188" y="987425"/>
-            <a:ext cx="6172200" cy="4873625"/>
+            <a:off x="3887391" y="987426"/>
+            <a:ext cx="4629150" cy="4873625"/>
           </a:xfrm>
         </p:spPr>
         <p:txBody>
-          <a:bodyPr/>
+          <a:bodyPr anchor="t"/>
           <a:lstStyle>
             <a:lvl1pPr marL="0" indent="0">
               <a:buNone/>
@@ -2565,19 +2263,17 @@
             </a:lvl9pPr>
           </a:lstStyle>
           <a:p>
-            <a:endParaRPr lang="en-US"/>
-          </a:p>
-        </p:txBody>
-      </p:sp>
-      <p:sp>
-        <p:nvSpPr>
-          <p:cNvPr id="4" name="Text Placeholder 3">
-            <a:extLst>
-              <a:ext uri="{FF2B5EF4-FFF2-40B4-BE49-F238E27FC236}">
-                <a16:creationId xmlns:a16="http://schemas.microsoft.com/office/drawing/2014/main" id="{BAF23782-588E-F378-1E32-A9445732DD73}"/>
-              </a:ext>
-            </a:extLst>
-          </p:cNvPr>
+            <a:r>
+              <a:rPr lang="en-US"/>
+              <a:t>Click icon to add picture</a:t>
+            </a:r>
+            <a:endParaRPr lang="en-US" dirty="0"/>
+          </a:p>
+        </p:txBody>
+      </p:sp>
+      <p:sp>
+        <p:nvSpPr>
+          <p:cNvPr id="4" name="Text Placeholder 3"/>
           <p:cNvSpPr>
             <a:spLocks noGrp="1"/>
           </p:cNvSpPr>
@@ -2587,8 +2283,8 @@
         </p:nvSpPr>
         <p:spPr>
           <a:xfrm>
-            <a:off x="839788" y="2057400"/>
-            <a:ext cx="3932237" cy="3811588"/>
+            <a:off x="629841" y="2057400"/>
+            <a:ext cx="2949178" cy="3811588"/>
           </a:xfrm>
         </p:spPr>
         <p:txBody>
@@ -2642,13 +2338,7 @@
       </p:sp>
       <p:sp>
         <p:nvSpPr>
-          <p:cNvPr id="5" name="Date Placeholder 4">
-            <a:extLst>
-              <a:ext uri="{FF2B5EF4-FFF2-40B4-BE49-F238E27FC236}">
-                <a16:creationId xmlns:a16="http://schemas.microsoft.com/office/drawing/2014/main" id="{200B0B8F-0E73-C0BE-AEDF-5EDDD9F2D62D}"/>
-              </a:ext>
-            </a:extLst>
-          </p:cNvPr>
+          <p:cNvPr id="5" name="Date Placeholder 4"/>
           <p:cNvSpPr>
             <a:spLocks noGrp="1"/>
           </p:cNvSpPr>
@@ -2663,7 +2353,7 @@
           <a:p>
             <a:fld id="{769A9FD1-E899-49D4-8064-B6E78C9B97AE}" type="datetimeFigureOut">
               <a:rPr lang="en-US" smtClean="0"/>
-              <a:t>1/6/2023</a:t>
+              <a:t>1/12/2023</a:t>
             </a:fld>
             <a:endParaRPr lang="en-US"/>
           </a:p>
@@ -2671,13 +2361,7 @@
       </p:sp>
       <p:sp>
         <p:nvSpPr>
-          <p:cNvPr id="6" name="Footer Placeholder 5">
-            <a:extLst>
-              <a:ext uri="{FF2B5EF4-FFF2-40B4-BE49-F238E27FC236}">
-                <a16:creationId xmlns:a16="http://schemas.microsoft.com/office/drawing/2014/main" id="{502CCDAC-2524-8A57-1594-05676369D65E}"/>
-              </a:ext>
-            </a:extLst>
-          </p:cNvPr>
+          <p:cNvPr id="6" name="Footer Placeholder 5"/>
           <p:cNvSpPr>
             <a:spLocks noGrp="1"/>
           </p:cNvSpPr>
@@ -2696,13 +2380,7 @@
       </p:sp>
       <p:sp>
         <p:nvSpPr>
-          <p:cNvPr id="7" name="Slide Number Placeholder 6">
-            <a:extLst>
-              <a:ext uri="{FF2B5EF4-FFF2-40B4-BE49-F238E27FC236}">
-                <a16:creationId xmlns:a16="http://schemas.microsoft.com/office/drawing/2014/main" id="{1A63D1C1-0C9E-8E4C-DF06-468E3969DA0D}"/>
-              </a:ext>
-            </a:extLst>
-          </p:cNvPr>
+          <p:cNvPr id="7" name="Slide Number Placeholder 6"/>
           <p:cNvSpPr>
             <a:spLocks noGrp="1"/>
           </p:cNvSpPr>
@@ -2726,7 +2404,7 @@
     </p:spTree>
     <p:extLst>
       <p:ext uri="{BB962C8B-B14F-4D97-AF65-F5344CB8AC3E}">
-        <p14:creationId xmlns:p14="http://schemas.microsoft.com/office/powerpoint/2010/main" val="4172803400"/>
+        <p14:creationId xmlns:p14="http://schemas.microsoft.com/office/powerpoint/2010/main" val="1926234517"/>
       </p:ext>
     </p:extLst>
   </p:cSld>
@@ -2760,13 +2438,7 @@
       </p:grpSpPr>
       <p:sp>
         <p:nvSpPr>
-          <p:cNvPr id="2" name="Title Placeholder 1">
-            <a:extLst>
-              <a:ext uri="{FF2B5EF4-FFF2-40B4-BE49-F238E27FC236}">
-                <a16:creationId xmlns:a16="http://schemas.microsoft.com/office/drawing/2014/main" id="{D93F99DF-F035-8555-01DA-7D006DDC7F73}"/>
-              </a:ext>
-            </a:extLst>
-          </p:cNvPr>
+          <p:cNvPr id="2" name="Title Placeholder 1"/>
           <p:cNvSpPr>
             <a:spLocks noGrp="1"/>
           </p:cNvSpPr>
@@ -2776,8 +2448,8 @@
         </p:nvSpPr>
         <p:spPr>
           <a:xfrm>
-            <a:off x="838200" y="365125"/>
-            <a:ext cx="10515600" cy="1325563"/>
+            <a:off x="628650" y="365126"/>
+            <a:ext cx="7886700" cy="1325563"/>
           </a:xfrm>
           <a:prstGeom prst="rect">
             <a:avLst/>
@@ -2793,18 +2465,13 @@
               <a:rPr lang="en-US"/>
               <a:t>Click to edit Master title style</a:t>
             </a:r>
-          </a:p>
-        </p:txBody>
-      </p:sp>
-      <p:sp>
-        <p:nvSpPr>
-          <p:cNvPr id="3" name="Text Placeholder 2">
-            <a:extLst>
-              <a:ext uri="{FF2B5EF4-FFF2-40B4-BE49-F238E27FC236}">
-                <a16:creationId xmlns:a16="http://schemas.microsoft.com/office/drawing/2014/main" id="{68340266-9CF8-D23B-A6AF-DBB646282B2A}"/>
-              </a:ext>
-            </a:extLst>
-          </p:cNvPr>
+            <a:endParaRPr lang="en-US" dirty="0"/>
+          </a:p>
+        </p:txBody>
+      </p:sp>
+      <p:sp>
+        <p:nvSpPr>
+          <p:cNvPr id="3" name="Text Placeholder 2"/>
           <p:cNvSpPr>
             <a:spLocks noGrp="1"/>
           </p:cNvSpPr>
@@ -2814,8 +2481,8 @@
         </p:nvSpPr>
         <p:spPr>
           <a:xfrm>
-            <a:off x="838200" y="1825625"/>
-            <a:ext cx="10515600" cy="4351338"/>
+            <a:off x="628650" y="1825625"/>
+            <a:ext cx="7886700" cy="4351338"/>
           </a:xfrm>
           <a:prstGeom prst="rect">
             <a:avLst/>
@@ -2860,18 +2527,13 @@
               <a:rPr lang="en-US"/>
               <a:t>Fifth level</a:t>
             </a:r>
-          </a:p>
-        </p:txBody>
-      </p:sp>
-      <p:sp>
-        <p:nvSpPr>
-          <p:cNvPr id="4" name="Date Placeholder 3">
-            <a:extLst>
-              <a:ext uri="{FF2B5EF4-FFF2-40B4-BE49-F238E27FC236}">
-                <a16:creationId xmlns:a16="http://schemas.microsoft.com/office/drawing/2014/main" id="{3ADF8370-A12C-4C92-A718-2C9F7A510899}"/>
-              </a:ext>
-            </a:extLst>
-          </p:cNvPr>
+            <a:endParaRPr lang="en-US" dirty="0"/>
+          </a:p>
+        </p:txBody>
+      </p:sp>
+      <p:sp>
+        <p:nvSpPr>
+          <p:cNvPr id="4" name="Date Placeholder 3"/>
           <p:cNvSpPr>
             <a:spLocks noGrp="1"/>
           </p:cNvSpPr>
@@ -2881,8 +2543,8 @@
         </p:nvSpPr>
         <p:spPr>
           <a:xfrm>
-            <a:off x="838200" y="6356350"/>
-            <a:ext cx="2743200" cy="365125"/>
+            <a:off x="628650" y="6356351"/>
+            <a:ext cx="2057400" cy="365125"/>
           </a:xfrm>
           <a:prstGeom prst="rect">
             <a:avLst/>
@@ -2904,7 +2566,7 @@
           <a:p>
             <a:fld id="{769A9FD1-E899-49D4-8064-B6E78C9B97AE}" type="datetimeFigureOut">
               <a:rPr lang="en-US" smtClean="0"/>
-              <a:t>1/6/2023</a:t>
+              <a:t>1/12/2023</a:t>
             </a:fld>
             <a:endParaRPr lang="en-US"/>
           </a:p>
@@ -2912,13 +2574,7 @@
       </p:sp>
       <p:sp>
         <p:nvSpPr>
-          <p:cNvPr id="5" name="Footer Placeholder 4">
-            <a:extLst>
-              <a:ext uri="{FF2B5EF4-FFF2-40B4-BE49-F238E27FC236}">
-                <a16:creationId xmlns:a16="http://schemas.microsoft.com/office/drawing/2014/main" id="{44CE8BED-8EEF-4AA2-D361-4B03A38C8B4B}"/>
-              </a:ext>
-            </a:extLst>
-          </p:cNvPr>
+          <p:cNvPr id="5" name="Footer Placeholder 4"/>
           <p:cNvSpPr>
             <a:spLocks noGrp="1"/>
           </p:cNvSpPr>
@@ -2928,8 +2584,8 @@
         </p:nvSpPr>
         <p:spPr>
           <a:xfrm>
-            <a:off x="4038600" y="6356350"/>
-            <a:ext cx="4114800" cy="365125"/>
+            <a:off x="3028950" y="6356351"/>
+            <a:ext cx="3086100" cy="365125"/>
           </a:xfrm>
           <a:prstGeom prst="rect">
             <a:avLst/>
@@ -2955,13 +2611,7 @@
       </p:sp>
       <p:sp>
         <p:nvSpPr>
-          <p:cNvPr id="6" name="Slide Number Placeholder 5">
-            <a:extLst>
-              <a:ext uri="{FF2B5EF4-FFF2-40B4-BE49-F238E27FC236}">
-                <a16:creationId xmlns:a16="http://schemas.microsoft.com/office/drawing/2014/main" id="{1AAA7CCC-70D8-86AA-05A5-666F7A131327}"/>
-              </a:ext>
-            </a:extLst>
-          </p:cNvPr>
+          <p:cNvPr id="6" name="Slide Number Placeholder 5"/>
           <p:cNvSpPr>
             <a:spLocks noGrp="1"/>
           </p:cNvSpPr>
@@ -2971,8 +2621,8 @@
         </p:nvSpPr>
         <p:spPr>
           <a:xfrm>
-            <a:off x="8610600" y="6356350"/>
-            <a:ext cx="2743200" cy="365125"/>
+            <a:off x="6457950" y="6356351"/>
+            <a:ext cx="2057400" cy="365125"/>
           </a:xfrm>
           <a:prstGeom prst="rect">
             <a:avLst/>
@@ -3003,23 +2653,23 @@
     </p:spTree>
     <p:extLst>
       <p:ext uri="{BB962C8B-B14F-4D97-AF65-F5344CB8AC3E}">
-        <p14:creationId xmlns:p14="http://schemas.microsoft.com/office/powerpoint/2010/main" val="3023710733"/>
+        <p14:creationId xmlns:p14="http://schemas.microsoft.com/office/powerpoint/2010/main" val="3535191073"/>
       </p:ext>
     </p:extLst>
   </p:cSld>
   <p:clrMap bg1="lt1" tx1="dk1" bg2="lt2" tx2="dk2" accent1="accent1" accent2="accent2" accent3="accent3" accent4="accent4" accent5="accent5" accent6="accent6" hlink="hlink" folHlink="folHlink"/>
   <p:sldLayoutIdLst>
-    <p:sldLayoutId id="2147483649" r:id="rId1"/>
-    <p:sldLayoutId id="2147483650" r:id="rId2"/>
-    <p:sldLayoutId id="2147483651" r:id="rId3"/>
-    <p:sldLayoutId id="2147483652" r:id="rId4"/>
-    <p:sldLayoutId id="2147483653" r:id="rId5"/>
-    <p:sldLayoutId id="2147483654" r:id="rId6"/>
-    <p:sldLayoutId id="2147483655" r:id="rId7"/>
-    <p:sldLayoutId id="2147483656" r:id="rId8"/>
-    <p:sldLayoutId id="2147483657" r:id="rId9"/>
-    <p:sldLayoutId id="2147483658" r:id="rId10"/>
-    <p:sldLayoutId id="2147483659" r:id="rId11"/>
+    <p:sldLayoutId id="2147483661" r:id="rId1"/>
+    <p:sldLayoutId id="2147483662" r:id="rId2"/>
+    <p:sldLayoutId id="2147483663" r:id="rId3"/>
+    <p:sldLayoutId id="2147483664" r:id="rId4"/>
+    <p:sldLayoutId id="2147483665" r:id="rId5"/>
+    <p:sldLayoutId id="2147483666" r:id="rId6"/>
+    <p:sldLayoutId id="2147483667" r:id="rId7"/>
+    <p:sldLayoutId id="2147483668" r:id="rId8"/>
+    <p:sldLayoutId id="2147483669" r:id="rId9"/>
+    <p:sldLayoutId id="2147483670" r:id="rId10"/>
+    <p:sldLayoutId id="2147483671" r:id="rId11"/>
   </p:sldLayoutIdLst>
   <p:txStyles>
     <p:titleStyle>
@@ -3337,7 +2987,7 @@
         </p:nvCxnSpPr>
         <p:spPr>
           <a:xfrm>
-            <a:off x="3192011" y="1476747"/>
+            <a:off x="1668011" y="1476748"/>
             <a:ext cx="0" cy="1432527"/>
           </a:xfrm>
           <a:prstGeom prst="line">
@@ -3381,8 +3031,8 @@
         </p:nvSpPr>
         <p:spPr bwMode="auto">
           <a:xfrm>
-            <a:off x="0" y="0"/>
-            <a:ext cx="12192000" cy="457200"/>
+            <a:off x="-1524000" y="43934"/>
+            <a:ext cx="184731" cy="369332"/>
           </a:xfrm>
           <a:prstGeom prst="rect">
             <a:avLst/>
@@ -3448,7 +3098,7 @@
         </p:nvSpPr>
         <p:spPr>
           <a:xfrm>
-            <a:off x="2573858" y="821075"/>
+            <a:off x="1049858" y="821076"/>
             <a:ext cx="1236306" cy="507831"/>
           </a:xfrm>
           <a:prstGeom prst="rect">
@@ -3491,7 +3141,7 @@
         </p:nvSpPr>
         <p:spPr>
           <a:xfrm>
-            <a:off x="5163538" y="812811"/>
+            <a:off x="3639539" y="812812"/>
             <a:ext cx="1642825" cy="507831"/>
           </a:xfrm>
           <a:prstGeom prst="rect">
@@ -3541,7 +3191,7 @@
         </p:nvSpPr>
         <p:spPr>
           <a:xfrm>
-            <a:off x="3045204" y="1602297"/>
+            <a:off x="1521204" y="1602298"/>
             <a:ext cx="293614" cy="1157681"/>
           </a:xfrm>
           <a:prstGeom prst="rect">
@@ -3597,7 +3247,7 @@
         </p:nvCxnSpPr>
         <p:spPr>
           <a:xfrm>
-            <a:off x="5987440" y="1476747"/>
+            <a:off x="4463440" y="1476748"/>
             <a:ext cx="0" cy="1432527"/>
           </a:xfrm>
           <a:prstGeom prst="line">
@@ -3639,7 +3289,7 @@
         </p:nvSpPr>
         <p:spPr>
           <a:xfrm>
-            <a:off x="5838144" y="1595507"/>
+            <a:off x="4314144" y="1595508"/>
             <a:ext cx="293614" cy="1157681"/>
           </a:xfrm>
           <a:prstGeom prst="rect">
@@ -3695,7 +3345,7 @@
         </p:nvCxnSpPr>
         <p:spPr>
           <a:xfrm>
-            <a:off x="3338818" y="1828803"/>
+            <a:off x="1814818" y="1828803"/>
             <a:ext cx="2499326" cy="0"/>
           </a:xfrm>
           <a:prstGeom prst="straightConnector1">
@@ -3739,7 +3389,7 @@
         </p:nvCxnSpPr>
         <p:spPr>
           <a:xfrm flipH="1">
-            <a:off x="3338818" y="2463282"/>
+            <a:off x="1814818" y="2463282"/>
             <a:ext cx="2499326" cy="0"/>
           </a:xfrm>
           <a:prstGeom prst="straightConnector1">
@@ -3781,7 +3431,7 @@
         </p:nvSpPr>
         <p:spPr>
           <a:xfrm>
-            <a:off x="3741566" y="1602297"/>
+            <a:off x="2217567" y="1602297"/>
             <a:ext cx="1716833" cy="230832"/>
           </a:xfrm>
           <a:prstGeom prst="rect">
@@ -3816,7 +3466,7 @@
         </p:nvSpPr>
         <p:spPr>
           <a:xfrm>
-            <a:off x="3695862" y="2166587"/>
+            <a:off x="2171862" y="2166587"/>
             <a:ext cx="1809524" cy="230832"/>
           </a:xfrm>
           <a:prstGeom prst="rect">
@@ -3853,7 +3503,7 @@
 <file path=ppt/theme/theme1.xml><?xml version="1.0" encoding="utf-8"?>
 <a:theme xmlns:a="http://schemas.openxmlformats.org/drawingml/2006/main" name="Office Theme">
   <a:themeElements>
-    <a:clrScheme name="Office">
+    <a:clrScheme name="Office Theme">
       <a:dk1>
         <a:sysClr val="windowText" lastClr="000000"/>
       </a:dk1>
@@ -3891,7 +3541,7 @@
         <a:srgbClr val="954F72"/>
       </a:folHlink>
     </a:clrScheme>
-    <a:fontScheme name="Office">
+    <a:fontScheme name="Office Theme">
       <a:majorFont>
         <a:latin typeface="Calibri Light" panose="020F0302020204030204"/>
         <a:ea typeface=""/>
@@ -3926,23 +3576,6 @@
         <a:font script="Viet" typeface="Times New Roman"/>
         <a:font script="Uigh" typeface="Microsoft Uighur"/>
         <a:font script="Geor" typeface="Sylfaen"/>
-        <a:font script="Armn" typeface="Arial"/>
-        <a:font script="Bugi" typeface="Leelawadee UI"/>
-        <a:font script="Bopo" typeface="Microsoft JhengHei"/>
-        <a:font script="Java" typeface="Javanese Text"/>
-        <a:font script="Lisu" typeface="Segoe UI"/>
-        <a:font script="Mymr" typeface="Myanmar Text"/>
-        <a:font script="Nkoo" typeface="Ebrima"/>
-        <a:font script="Olck" typeface="Nirmala UI"/>
-        <a:font script="Osma" typeface="Ebrima"/>
-        <a:font script="Phag" typeface="Phagspa"/>
-        <a:font script="Syrn" typeface="Estrangelo Edessa"/>
-        <a:font script="Syrj" typeface="Estrangelo Edessa"/>
-        <a:font script="Syre" typeface="Estrangelo Edessa"/>
-        <a:font script="Sora" typeface="Nirmala UI"/>
-        <a:font script="Tale" typeface="Microsoft Tai Le"/>
-        <a:font script="Talu" typeface="Microsoft New Tai Lue"/>
-        <a:font script="Tfng" typeface="Ebrima"/>
       </a:majorFont>
       <a:minorFont>
         <a:latin typeface="Calibri" panose="020F0502020204030204"/>
@@ -3978,26 +3611,9 @@
         <a:font script="Viet" typeface="Arial"/>
         <a:font script="Uigh" typeface="Microsoft Uighur"/>
         <a:font script="Geor" typeface="Sylfaen"/>
-        <a:font script="Armn" typeface="Arial"/>
-        <a:font script="Bugi" typeface="Leelawadee UI"/>
-        <a:font script="Bopo" typeface="Microsoft JhengHei"/>
-        <a:font script="Java" typeface="Javanese Text"/>
-        <a:font script="Lisu" typeface="Segoe UI"/>
-        <a:font script="Mymr" typeface="Myanmar Text"/>
-        <a:font script="Nkoo" typeface="Ebrima"/>
-        <a:font script="Olck" typeface="Nirmala UI"/>
-        <a:font script="Osma" typeface="Ebrima"/>
-        <a:font script="Phag" typeface="Phagspa"/>
-        <a:font script="Syrn" typeface="Estrangelo Edessa"/>
-        <a:font script="Syrj" typeface="Estrangelo Edessa"/>
-        <a:font script="Syre" typeface="Estrangelo Edessa"/>
-        <a:font script="Sora" typeface="Nirmala UI"/>
-        <a:font script="Tale" typeface="Microsoft Tai Le"/>
-        <a:font script="Talu" typeface="Microsoft New Tai Lue"/>
-        <a:font script="Tfng" typeface="Ebrima"/>
       </a:minorFont>
     </a:fontScheme>
-    <a:fmtScheme name="Office">
+    <a:fmtScheme name="Office Theme">
       <a:fillStyleLst>
         <a:solidFill>
           <a:schemeClr val="phClr"/>
